--- a/Presentations/DatSciFinalPresentation.pptx
+++ b/Presentations/DatSciFinalPresentation.pptx
@@ -4324,7 +4324,7 @@
       </p:grpSpPr>
       <p:pic>
         <p:nvPicPr>
-          <p:cNvPr id="4" name="Picture 3" descr="DatSciProject_1.jpg"/>
+          <p:cNvPr id="2" name="Picture 1" descr="DatSciProject_1.jpg"/>
           <p:cNvPicPr>
             <a:picLocks noChangeAspect="1"/>
           </p:cNvPicPr>

--- a/Presentations/DatSciFinalPresentation.pptx
+++ b/Presentations/DatSciFinalPresentation.pptx
@@ -4793,7 +4793,7 @@
       </p:grpSpPr>
       <p:pic>
         <p:nvPicPr>
-          <p:cNvPr id="2" name="Picture 1" descr="DatSciProject_6.jpg"/>
+          <p:cNvPr id="3" name="Picture 2" descr="DatSciProject_6.jpg"/>
           <p:cNvPicPr>
             <a:picLocks noChangeAspect="1"/>
           </p:cNvPicPr>

--- a/Presentations/DatSciFinalPresentation.pptx
+++ b/Presentations/DatSciFinalPresentation.pptx
@@ -4391,7 +4391,7 @@
       </p:grpSpPr>
       <p:pic>
         <p:nvPicPr>
-          <p:cNvPr id="2" name="Picture 1" descr="DatSciProject_10.jpg"/>
+          <p:cNvPr id="3" name="Picture 2" descr="DatSciProject_10.jpg"/>
           <p:cNvPicPr>
             <a:picLocks noChangeAspect="1"/>
           </p:cNvPicPr>
@@ -4994,7 +4994,7 @@
       </p:grpSpPr>
       <p:pic>
         <p:nvPicPr>
-          <p:cNvPr id="2" name="Picture 1" descr="DatSciProject_9.jpg"/>
+          <p:cNvPr id="3" name="Picture 2" descr="DatSciProject_9.jpg"/>
           <p:cNvPicPr>
             <a:picLocks noChangeAspect="1"/>
           </p:cNvPicPr>
